--- a/semi.pptx
+++ b/semi.pptx
@@ -201,7 +201,7 @@
           <a:p>
             <a:fld id="{539CA35F-CF30-498C-A37F-E4B404332AB8}" type="datetimeFigureOut">
               <a:rPr lang="he-IL" smtClean="0"/>
-              <a:t>י"ג/ניסן/תשפ"ב</a:t>
+              <a:t>ט"ז/ניסן/תשפ"ב</a:t>
             </a:fld>
             <a:endParaRPr lang="he-IL"/>
           </a:p>
@@ -1102,7 +1102,7 @@
           <a:p>
             <a:fld id="{D880ED0C-7ADE-460C-BE75-9767167AE7C5}" type="datetimeFigureOut">
               <a:rPr lang="he-IL" smtClean="0"/>
-              <a:t>י"ג/ניסן/תשפ"ב</a:t>
+              <a:t>ט"ז/ניסן/תשפ"ב</a:t>
             </a:fld>
             <a:endParaRPr lang="he-IL"/>
           </a:p>
@@ -1300,7 +1300,7 @@
           <a:p>
             <a:fld id="{D880ED0C-7ADE-460C-BE75-9767167AE7C5}" type="datetimeFigureOut">
               <a:rPr lang="he-IL" smtClean="0"/>
-              <a:t>י"ג/ניסן/תשפ"ב</a:t>
+              <a:t>ט"ז/ניסן/תשפ"ב</a:t>
             </a:fld>
             <a:endParaRPr lang="he-IL"/>
           </a:p>
@@ -1508,7 +1508,7 @@
           <a:p>
             <a:fld id="{D880ED0C-7ADE-460C-BE75-9767167AE7C5}" type="datetimeFigureOut">
               <a:rPr lang="he-IL" smtClean="0"/>
-              <a:t>י"ג/ניסן/תשפ"ב</a:t>
+              <a:t>ט"ז/ניסן/תשפ"ב</a:t>
             </a:fld>
             <a:endParaRPr lang="he-IL"/>
           </a:p>
@@ -1706,7 +1706,7 @@
           <a:p>
             <a:fld id="{D880ED0C-7ADE-460C-BE75-9767167AE7C5}" type="datetimeFigureOut">
               <a:rPr lang="he-IL" smtClean="0"/>
-              <a:t>י"ג/ניסן/תשפ"ב</a:t>
+              <a:t>ט"ז/ניסן/תשפ"ב</a:t>
             </a:fld>
             <a:endParaRPr lang="he-IL"/>
           </a:p>
@@ -1981,7 +1981,7 @@
           <a:p>
             <a:fld id="{D880ED0C-7ADE-460C-BE75-9767167AE7C5}" type="datetimeFigureOut">
               <a:rPr lang="he-IL" smtClean="0"/>
-              <a:t>י"ג/ניסן/תשפ"ב</a:t>
+              <a:t>ט"ז/ניסן/תשפ"ב</a:t>
             </a:fld>
             <a:endParaRPr lang="he-IL"/>
           </a:p>
@@ -2246,7 +2246,7 @@
           <a:p>
             <a:fld id="{D880ED0C-7ADE-460C-BE75-9767167AE7C5}" type="datetimeFigureOut">
               <a:rPr lang="he-IL" smtClean="0"/>
-              <a:t>י"ג/ניסן/תשפ"ב</a:t>
+              <a:t>ט"ז/ניסן/תשפ"ב</a:t>
             </a:fld>
             <a:endParaRPr lang="he-IL"/>
           </a:p>
@@ -2658,7 +2658,7 @@
           <a:p>
             <a:fld id="{D880ED0C-7ADE-460C-BE75-9767167AE7C5}" type="datetimeFigureOut">
               <a:rPr lang="he-IL" smtClean="0"/>
-              <a:t>י"ג/ניסן/תשפ"ב</a:t>
+              <a:t>ט"ז/ניסן/תשפ"ב</a:t>
             </a:fld>
             <a:endParaRPr lang="he-IL"/>
           </a:p>
@@ -2799,7 +2799,7 @@
           <a:p>
             <a:fld id="{D880ED0C-7ADE-460C-BE75-9767167AE7C5}" type="datetimeFigureOut">
               <a:rPr lang="he-IL" smtClean="0"/>
-              <a:t>י"ג/ניסן/תשפ"ב</a:t>
+              <a:t>ט"ז/ניסן/תשפ"ב</a:t>
             </a:fld>
             <a:endParaRPr lang="he-IL"/>
           </a:p>
@@ -2912,7 +2912,7 @@
           <a:p>
             <a:fld id="{D880ED0C-7ADE-460C-BE75-9767167AE7C5}" type="datetimeFigureOut">
               <a:rPr lang="he-IL" smtClean="0"/>
-              <a:t>י"ג/ניסן/תשפ"ב</a:t>
+              <a:t>ט"ז/ניסן/תשפ"ב</a:t>
             </a:fld>
             <a:endParaRPr lang="he-IL"/>
           </a:p>
@@ -3223,7 +3223,7 @@
           <a:p>
             <a:fld id="{D880ED0C-7ADE-460C-BE75-9767167AE7C5}" type="datetimeFigureOut">
               <a:rPr lang="he-IL" smtClean="0"/>
-              <a:t>י"ג/ניסן/תשפ"ב</a:t>
+              <a:t>ט"ז/ניסן/תשפ"ב</a:t>
             </a:fld>
             <a:endParaRPr lang="he-IL"/>
           </a:p>
@@ -3511,7 +3511,7 @@
           <a:p>
             <a:fld id="{D880ED0C-7ADE-460C-BE75-9767167AE7C5}" type="datetimeFigureOut">
               <a:rPr lang="he-IL" smtClean="0"/>
-              <a:t>י"ג/ניסן/תשפ"ב</a:t>
+              <a:t>ט"ז/ניסן/תשפ"ב</a:t>
             </a:fld>
             <a:endParaRPr lang="he-IL"/>
           </a:p>
@@ -3752,7 +3752,7 @@
           <a:p>
             <a:fld id="{D880ED0C-7ADE-460C-BE75-9767167AE7C5}" type="datetimeFigureOut">
               <a:rPr lang="he-IL" smtClean="0"/>
-              <a:t>י"ג/ניסן/תשפ"ב</a:t>
+              <a:t>ט"ז/ניסן/תשפ"ב</a:t>
             </a:fld>
             <a:endParaRPr lang="he-IL"/>
           </a:p>
@@ -4816,7 +4816,7 @@
         <p:spPr>
           <a:xfrm>
             <a:off x="838201" y="1782057"/>
-            <a:ext cx="10515599" cy="4167488"/>
+            <a:ext cx="10515599" cy="3521157"/>
           </a:xfrm>
           <a:prstGeom prst="rect">
             <a:avLst/>
@@ -4829,28 +4829,24 @@
           </a:bodyPr>
           <a:lstStyle/>
           <a:p>
-            <a:pPr marL="285750" indent="-285750" algn="l" rtl="0">
+            <a:pPr algn="l" rtl="0">
               <a:lnSpc>
                 <a:spcPct val="150000"/>
               </a:lnSpc>
-              <a:buFont typeface="Arial" panose="020B0604020202020204" pitchFamily="34" charset="0"/>
-              <a:buChar char="•"/>
             </a:pPr>
             <a:r>
               <a:rPr lang="en-US" sz="2800" dirty="0">
                 <a:latin typeface="Arial" panose="020B0604020202020204" pitchFamily="34" charset="0"/>
                 <a:cs typeface="Arial" panose="020B0604020202020204" pitchFamily="34" charset="0"/>
               </a:rPr>
-              <a:t>Machine Learning  </a:t>
-            </a:r>
-          </a:p>
-          <a:p>
-            <a:pPr marL="800100" lvl="1" indent="-342900" algn="l" rtl="0">
+              <a:t>Machine Learning: </a:t>
+            </a:r>
+          </a:p>
+          <a:p>
+            <a:pPr lvl="1" algn="l" rtl="0">
               <a:lnSpc>
                 <a:spcPct val="150000"/>
               </a:lnSpc>
-              <a:buFont typeface="Arial" panose="020B0604020202020204" pitchFamily="34" charset="0"/>
-              <a:buChar char="•"/>
             </a:pPr>
             <a:r>
               <a:rPr lang="en-US" sz="2000" dirty="0">
@@ -4860,83 +4856,28 @@
                 <a:latin typeface="Arial" panose="020B0604020202020204" pitchFamily="34" charset="0"/>
                 <a:cs typeface="Arial" panose="020B0604020202020204" pitchFamily="34" charset="0"/>
               </a:rPr>
-              <a:t>Allow the computer to learn from examples</a:t>
-            </a:r>
-          </a:p>
-          <a:p>
-            <a:pPr marL="800100" lvl="1" indent="-342900" algn="l" rtl="0">
+              <a:t>Allow the computer to learn from examples. Runs on a variety of computational tasks where classic programming is not possible.</a:t>
+            </a:r>
+          </a:p>
+          <a:p>
+            <a:pPr algn="l" rtl="0">
               <a:lnSpc>
                 <a:spcPct val="150000"/>
               </a:lnSpc>
-              <a:buFont typeface="Arial" panose="020B0604020202020204" pitchFamily="34" charset="0"/>
-              <a:buChar char="•"/>
-            </a:pPr>
-            <a:r>
-              <a:rPr lang="en-US" sz="2000" dirty="0">
-                <a:solidFill>
-                  <a:srgbClr val="0070C0"/>
-                </a:solidFill>
-                <a:latin typeface="Arial" panose="020B0604020202020204" pitchFamily="34" charset="0"/>
-                <a:cs typeface="Arial" panose="020B0604020202020204" pitchFamily="34" charset="0"/>
-              </a:rPr>
-              <a:t>Runs on a variety of computational tasks where classic programming is not possible</a:t>
-            </a:r>
-          </a:p>
-          <a:p>
-            <a:pPr marL="342900" indent="-342900" algn="l" rtl="0">
-              <a:lnSpc>
-                <a:spcPct val="150000"/>
-              </a:lnSpc>
-              <a:buFont typeface="Arial" panose="020B0604020202020204" pitchFamily="34" charset="0"/>
-              <a:buChar char="•"/>
             </a:pPr>
             <a:r>
               <a:rPr lang="en-US" sz="2800" dirty="0">
                 <a:latin typeface="Arial" panose="020B0604020202020204" pitchFamily="34" charset="0"/>
                 <a:cs typeface="Arial" panose="020B0604020202020204" pitchFamily="34" charset="0"/>
               </a:rPr>
-              <a:t>Supervised Learning</a:t>
-            </a:r>
-          </a:p>
-          <a:p>
-            <a:pPr marL="285750" indent="-285750" algn="l" rtl="0">
+              <a:t>Supervised Learning. Unsupervised Learning. Reinforcement Learning.</a:t>
+            </a:r>
+          </a:p>
+          <a:p>
+            <a:pPr algn="l" rtl="0">
               <a:lnSpc>
                 <a:spcPct val="150000"/>
               </a:lnSpc>
-              <a:buFont typeface="Arial" panose="020B0604020202020204" pitchFamily="34" charset="0"/>
-              <a:buChar char="•"/>
-            </a:pPr>
-            <a:r>
-              <a:rPr lang="en-US" sz="2800" dirty="0">
-                <a:latin typeface="Arial" panose="020B0604020202020204" pitchFamily="34" charset="0"/>
-                <a:cs typeface="Arial" panose="020B0604020202020204" pitchFamily="34" charset="0"/>
-              </a:rPr>
-              <a:t>Unsupervised Learning</a:t>
-            </a:r>
-          </a:p>
-          <a:p>
-            <a:pPr marL="285750" indent="-285750" algn="l" rtl="0">
-              <a:lnSpc>
-                <a:spcPct val="150000"/>
-              </a:lnSpc>
-              <a:buFont typeface="Arial" panose="020B0604020202020204" pitchFamily="34" charset="0"/>
-              <a:buChar char="•"/>
-            </a:pPr>
-            <a:r>
-              <a:rPr lang="en-US" sz="2800" dirty="0">
-                <a:latin typeface="Arial" panose="020B0604020202020204" pitchFamily="34" charset="0"/>
-                <a:cs typeface="Arial" panose="020B0604020202020204" pitchFamily="34" charset="0"/>
-              </a:rPr>
-              <a:t>Reinforcement Learning</a:t>
-            </a:r>
-          </a:p>
-          <a:p>
-            <a:pPr marL="285750" indent="-285750" algn="l" rtl="0">
-              <a:lnSpc>
-                <a:spcPct val="150000"/>
-              </a:lnSpc>
-              <a:buFont typeface="Arial" panose="020B0604020202020204" pitchFamily="34" charset="0"/>
-              <a:buChar char="•"/>
             </a:pPr>
             <a:endParaRPr lang="en-US" sz="2800" dirty="0">
               <a:latin typeface="Arial" panose="020B0604020202020204" pitchFamily="34" charset="0"/>
@@ -5165,25 +5106,19 @@
           </a:bodyPr>
           <a:lstStyle/>
           <a:p>
-            <a:pPr algn="l" rtl="0">
+            <a:pPr marL="0" indent="0" algn="l" rtl="0">
               <a:lnSpc>
                 <a:spcPct val="150000"/>
               </a:lnSpc>
+              <a:buNone/>
             </a:pPr>
             <a:r>
               <a:rPr lang="en-US" dirty="0">
                 <a:latin typeface="Arial" panose="020B0604020202020204" pitchFamily="34" charset="0"/>
                 <a:cs typeface="Arial" panose="020B0604020202020204" pitchFamily="34" charset="0"/>
               </a:rPr>
-              <a:t>Data Set</a:t>
-            </a:r>
-          </a:p>
-          <a:p>
-            <a:pPr lvl="1" algn="l" rtl="0">
-              <a:lnSpc>
-                <a:spcPct val="150000"/>
-              </a:lnSpc>
-            </a:pPr>
+              <a:t>Data Set: </a:t>
+            </a:r>
             <a:r>
               <a:rPr lang="en-US" sz="2000" dirty="0">
                 <a:solidFill>
@@ -5192,46 +5127,23 @@
                 <a:latin typeface="Arial" panose="020B0604020202020204" pitchFamily="34" charset="0"/>
                 <a:cs typeface="Arial" panose="020B0604020202020204" pitchFamily="34" charset="0"/>
               </a:rPr>
-              <a:t>Data For Learning</a:t>
-            </a:r>
-          </a:p>
-          <a:p>
-            <a:pPr lvl="1" algn="l" rtl="0">
+              <a:t>Data For Learning. Examples – with or without “results”</a:t>
+            </a:r>
+          </a:p>
+          <a:p>
+            <a:pPr marL="0" indent="0" algn="l" rtl="0">
               <a:lnSpc>
                 <a:spcPct val="150000"/>
               </a:lnSpc>
-            </a:pPr>
-            <a:r>
-              <a:rPr lang="en-US" sz="2000" dirty="0">
-                <a:solidFill>
-                  <a:srgbClr val="0070C0"/>
-                </a:solidFill>
-                <a:latin typeface="Arial" panose="020B0604020202020204" pitchFamily="34" charset="0"/>
-                <a:cs typeface="Arial" panose="020B0604020202020204" pitchFamily="34" charset="0"/>
-              </a:rPr>
-              <a:t>Examples – with or without “results”</a:t>
-            </a:r>
-          </a:p>
-          <a:p>
-            <a:pPr algn="l" rtl="0">
-              <a:lnSpc>
-                <a:spcPct val="150000"/>
-              </a:lnSpc>
+              <a:buNone/>
             </a:pPr>
             <a:r>
               <a:rPr lang="en-US" dirty="0">
                 <a:latin typeface="Arial" panose="020B0604020202020204" pitchFamily="34" charset="0"/>
                 <a:cs typeface="Arial" panose="020B0604020202020204" pitchFamily="34" charset="0"/>
               </a:rPr>
-              <a:t>Occam’s Razor</a:t>
-            </a:r>
-          </a:p>
-          <a:p>
-            <a:pPr lvl="1" algn="l" rtl="0">
-              <a:lnSpc>
-                <a:spcPct val="150000"/>
-              </a:lnSpc>
-            </a:pPr>
+              <a:t>Occam’s Razor: </a:t>
+            </a:r>
             <a:r>
               <a:rPr lang="en-US" sz="2000" dirty="0">
                 <a:solidFill>
@@ -5327,7 +5239,7 @@
         </p:blipFill>
         <p:spPr bwMode="auto">
           <a:xfrm>
-            <a:off x="5797993" y="2737663"/>
+            <a:off x="7212725" y="2737663"/>
             <a:ext cx="3910764" cy="4120337"/>
           </a:xfrm>
           <a:prstGeom prst="rect">
@@ -5355,85 +5267,6 @@
   <p:clrMapOvr>
     <a:masterClrMapping/>
   </p:clrMapOvr>
-  <p:timing>
-    <p:tnLst>
-      <p:par>
-        <p:cTn id="1" dur="indefinite" restart="never" nodeType="tmRoot">
-          <p:childTnLst>
-            <p:seq concurrent="1" nextAc="seek">
-              <p:cTn id="2" dur="indefinite" nodeType="mainSeq">
-                <p:childTnLst>
-                  <p:par>
-                    <p:cTn id="3" fill="hold">
-                      <p:stCondLst>
-                        <p:cond delay="indefinite"/>
-                      </p:stCondLst>
-                      <p:childTnLst>
-                        <p:par>
-                          <p:cTn id="4" fill="hold">
-                            <p:stCondLst>
-                              <p:cond delay="0"/>
-                            </p:stCondLst>
-                            <p:childTnLst>
-                              <p:par>
-                                <p:cTn id="5" presetID="1" presetClass="entr" presetSubtype="0" fill="hold" nodeType="clickEffect">
-                                  <p:stCondLst>
-                                    <p:cond delay="0"/>
-                                  </p:stCondLst>
-                                  <p:childTnLst>
-                                    <p:set>
-                                      <p:cBhvr>
-                                        <p:cTn id="6" dur="1" fill="hold">
-                                          <p:stCondLst>
-                                            <p:cond delay="0"/>
-                                          </p:stCondLst>
-                                        </p:cTn>
-                                        <p:tgtEl>
-                                          <p:spTgt spid="5">
-                                            <p:txEl>
-                                              <p:pRg st="2" end="2"/>
-                                            </p:txEl>
-                                          </p:spTgt>
-                                        </p:tgtEl>
-                                        <p:attrNameLst>
-                                          <p:attrName>style.visibility</p:attrName>
-                                        </p:attrNameLst>
-                                      </p:cBhvr>
-                                      <p:to>
-                                        <p:strVal val="visible"/>
-                                      </p:to>
-                                    </p:set>
-                                  </p:childTnLst>
-                                </p:cTn>
-                              </p:par>
-                            </p:childTnLst>
-                          </p:cTn>
-                        </p:par>
-                      </p:childTnLst>
-                    </p:cTn>
-                  </p:par>
-                </p:childTnLst>
-              </p:cTn>
-              <p:prevCondLst>
-                <p:cond evt="onPrev" delay="0">
-                  <p:tgtEl>
-                    <p:sldTgt/>
-                  </p:tgtEl>
-                </p:cond>
-              </p:prevCondLst>
-              <p:nextCondLst>
-                <p:cond evt="onNext" delay="0">
-                  <p:tgtEl>
-                    <p:sldTgt/>
-                  </p:tgtEl>
-                </p:cond>
-              </p:nextCondLst>
-            </p:seq>
-          </p:childTnLst>
-        </p:cTn>
-      </p:par>
-    </p:tnLst>
-  </p:timing>
 </p:sld>
 </file>
 
